--- a/IoC-DI/IoC_DI 학습.pptx
+++ b/IoC-DI/IoC_DI 학습.pptx
@@ -3372,94 +3372,6 @@
           </a:prstGeom>
         </p:spPr>
       </p:pic>
-      <p:sp>
-        <p:nvSpPr>
-          <p:cNvPr id="8" name="TextBox 7">
-            <a:extLst>
-              <a:ext uri="{FF2B5EF4-FFF2-40B4-BE49-F238E27FC236}">
-                <a16:creationId xmlns:a16="http://schemas.microsoft.com/office/drawing/2014/main" id="{B4C42DA9-9145-0978-A934-95BA63A281BE}"/>
-              </a:ext>
-            </a:extLst>
-          </p:cNvPr>
-          <p:cNvSpPr txBox="1"/>
-          <p:nvPr/>
-        </p:nvSpPr>
-        <p:spPr>
-          <a:xfrm>
-            <a:off x="546152" y="1467128"/>
-            <a:ext cx="3532362" cy="307777"/>
-          </a:xfrm>
-          <a:prstGeom prst="rect">
-            <a:avLst/>
-          </a:prstGeom>
-          <a:noFill/>
-        </p:spPr>
-        <p:txBody>
-          <a:bodyPr wrap="square">
-            <a:spAutoFit/>
-          </a:bodyPr>
-          <a:lstStyle/>
-          <a:p>
-            <a:r>
-              <a:rPr lang="en-US" altLang="ko-KR" sz="1400" b="1" dirty="0"/>
-              <a:t>IoC (Inversion of Control, </a:t>
-            </a:r>
-            <a:r>
-              <a:rPr lang="ko-KR" altLang="en-US" sz="1400" b="1" dirty="0"/>
-              <a:t>제어의 역전</a:t>
-            </a:r>
-            <a:r>
-              <a:rPr lang="en-US" altLang="ko-KR" sz="1400" b="1" dirty="0"/>
-              <a:t>)</a:t>
-            </a:r>
-            <a:endParaRPr lang="ko-KR" altLang="en-US" sz="1400" b="1" dirty="0"/>
-          </a:p>
-        </p:txBody>
-      </p:sp>
-      <p:sp>
-        <p:nvSpPr>
-          <p:cNvPr id="10" name="TextBox 9">
-            <a:extLst>
-              <a:ext uri="{FF2B5EF4-FFF2-40B4-BE49-F238E27FC236}">
-                <a16:creationId xmlns:a16="http://schemas.microsoft.com/office/drawing/2014/main" id="{A0DD6174-79DB-37D7-B691-7670DDF22296}"/>
-              </a:ext>
-            </a:extLst>
-          </p:cNvPr>
-          <p:cNvSpPr txBox="1"/>
-          <p:nvPr/>
-        </p:nvSpPr>
-        <p:spPr>
-          <a:xfrm>
-            <a:off x="546152" y="1802631"/>
-            <a:ext cx="3532362" cy="307777"/>
-          </a:xfrm>
-          <a:prstGeom prst="rect">
-            <a:avLst/>
-          </a:prstGeom>
-          <a:noFill/>
-        </p:spPr>
-        <p:txBody>
-          <a:bodyPr wrap="square">
-            <a:spAutoFit/>
-          </a:bodyPr>
-          <a:lstStyle/>
-          <a:p>
-            <a:r>
-              <a:rPr lang="en-US" altLang="ko-KR" sz="1400" b="1" dirty="0"/>
-              <a:t>DI (Dependency Injection, </a:t>
-            </a:r>
-            <a:r>
-              <a:rPr lang="ko-KR" altLang="en-US" sz="1400" b="1" dirty="0"/>
-              <a:t>의존성 주입</a:t>
-            </a:r>
-            <a:r>
-              <a:rPr lang="en-US" altLang="ko-KR" sz="1400" b="1" dirty="0"/>
-              <a:t>)</a:t>
-            </a:r>
-            <a:endParaRPr lang="ko-KR" altLang="en-US" sz="1400" b="1" dirty="0"/>
-          </a:p>
-        </p:txBody>
-      </p:sp>
       <p:pic>
         <p:nvPicPr>
           <p:cNvPr id="20" name="그림 19">
@@ -3483,7 +3395,7 @@
         </p:blipFill>
         <p:spPr>
           <a:xfrm>
-            <a:off x="682171" y="2562569"/>
+            <a:off x="400151" y="4997366"/>
             <a:ext cx="5695850" cy="1732861"/>
           </a:xfrm>
           <a:prstGeom prst="rect">
@@ -3520,6 +3432,36 @@
           <a:xfrm>
             <a:off x="6378021" y="574982"/>
             <a:ext cx="5262673" cy="5708033"/>
+          </a:xfrm>
+          <a:prstGeom prst="rect">
+            <a:avLst/>
+          </a:prstGeom>
+        </p:spPr>
+      </p:pic>
+      <p:pic>
+        <p:nvPicPr>
+          <p:cNvPr id="4" name="그림 3">
+            <a:extLst>
+              <a:ext uri="{FF2B5EF4-FFF2-40B4-BE49-F238E27FC236}">
+                <a16:creationId xmlns:a16="http://schemas.microsoft.com/office/drawing/2014/main" id="{B26CF477-7A43-EA24-A87D-A4CFDA6A98B6}"/>
+              </a:ext>
+            </a:extLst>
+          </p:cNvPr>
+          <p:cNvPicPr>
+            <a:picLocks noChangeAspect="1"/>
+          </p:cNvPicPr>
+          <p:nvPr/>
+        </p:nvPicPr>
+        <p:blipFill>
+          <a:blip r:embed="rId5"/>
+          <a:stretch>
+            <a:fillRect/>
+          </a:stretch>
+        </p:blipFill>
+        <p:spPr>
+          <a:xfrm>
+            <a:off x="251380" y="701591"/>
+            <a:ext cx="5562600" cy="4295775"/>
           </a:xfrm>
           <a:prstGeom prst="rect">
             <a:avLst/>
